--- a/decks/2020_Mty_Saturdays_Project_BKaramanosvDEMODAY.pptx
+++ b/decks/2020_Mty_Saturdays_Project_BKaramanosvDEMODAY.pptx
@@ -11,13 +11,14 @@
     <p:sldId id="261" r:id="rId8"/>
     <p:sldId id="279" r:id="rId9"/>
     <p:sldId id="263" r:id="rId10"/>
-    <p:sldId id="271" r:id="rId11"/>
-    <p:sldId id="278" r:id="rId12"/>
-    <p:sldId id="275" r:id="rId13"/>
-    <p:sldId id="272" r:id="rId14"/>
-    <p:sldId id="277" r:id="rId15"/>
-    <p:sldId id="262" r:id="rId16"/>
-    <p:sldId id="276" r:id="rId17"/>
+    <p:sldId id="280" r:id="rId11"/>
+    <p:sldId id="271" r:id="rId12"/>
+    <p:sldId id="278" r:id="rId13"/>
+    <p:sldId id="275" r:id="rId14"/>
+    <p:sldId id="272" r:id="rId15"/>
+    <p:sldId id="277" r:id="rId16"/>
+    <p:sldId id="262" r:id="rId17"/>
+    <p:sldId id="276" r:id="rId18"/>
   </p:sldIdLst>
   <p:sldSz cx="12192000" cy="6858000"/>
   <p:notesSz cx="6858000" cy="9144000"/>
@@ -2590,7 +2591,7 @@
           </a:r>
           <a:r>
             <a:rPr lang="es-ES" dirty="0" err="1"/>
-            <a:t>performe</a:t>
+            <a:t>perform</a:t>
           </a:r>
           <a:r>
             <a:rPr lang="es-ES" dirty="0"/>
@@ -4576,7 +4577,7 @@
           </a:r>
           <a:r>
             <a:rPr lang="es-ES" sz="1300" kern="1200" dirty="0" err="1"/>
-            <a:t>performe</a:t>
+            <a:t>perform</a:t>
           </a:r>
           <a:r>
             <a:rPr lang="es-ES" sz="1300" kern="1200" dirty="0"/>
@@ -8089,7 +8090,7 @@
           <a:p>
             <a:fld id="{EA0C0817-A112-4847-8014-A94B7D2A4EA3}" type="datetime1">
               <a:rPr lang="en-US" smtClean="0"/>
-              <a:t>5/25/2020</a:t>
+              <a:t>5/29/2020</a:t>
             </a:fld>
             <a:endParaRPr lang="en-US" dirty="0"/>
           </a:p>
@@ -8291,7 +8292,7 @@
           <a:p>
             <a:fld id="{7332B432-ACDA-4023-A761-2BAB76577B62}" type="datetime1">
               <a:rPr lang="en-US" smtClean="0"/>
-              <a:t>5/25/2020</a:t>
+              <a:t>5/29/2020</a:t>
             </a:fld>
             <a:endParaRPr lang="en-US" dirty="0"/>
           </a:p>
@@ -8890,7 +8891,7 @@
           <a:p>
             <a:fld id="{D9C646AA-F36E-4540-911D-FFFC0A0EF24A}" type="datetime1">
               <a:rPr lang="en-US" smtClean="0"/>
-              <a:t>5/25/2020</a:t>
+              <a:t>5/29/2020</a:t>
             </a:fld>
             <a:endParaRPr lang="en-US" dirty="0"/>
           </a:p>
@@ -9210,7 +9211,7 @@
           <a:p>
             <a:fld id="{69186D26-FA5F-4637-B602-B7C2DC34CFD4}" type="datetime1">
               <a:rPr lang="en-US" smtClean="0"/>
-              <a:t>5/25/2020</a:t>
+              <a:t>5/29/2020</a:t>
             </a:fld>
             <a:endParaRPr lang="en-US" dirty="0"/>
           </a:p>
@@ -9647,7 +9648,7 @@
           <a:p>
             <a:fld id="{8A7F15D8-96D1-4781-BC50-CA8A088B2FE4}" type="datetime1">
               <a:rPr lang="en-US" smtClean="0"/>
-              <a:t>5/25/2020</a:t>
+              <a:t>5/29/2020</a:t>
             </a:fld>
             <a:endParaRPr lang="en-US" dirty="0"/>
           </a:p>
@@ -9765,7 +9766,7 @@
           <a:p>
             <a:fld id="{F9A96C99-B8F8-4528-BD05-0E16E943DC09}" type="datetime1">
               <a:rPr lang="en-US" smtClean="0"/>
-              <a:t>5/25/2020</a:t>
+              <a:t>5/29/2020</a:t>
             </a:fld>
             <a:endParaRPr lang="en-US" dirty="0"/>
           </a:p>
@@ -9860,7 +9861,7 @@
           <a:p>
             <a:fld id="{03636942-C211-4B28-8DBD-C953E00AF71B}" type="datetime1">
               <a:rPr lang="en-US" smtClean="0"/>
-              <a:t>5/25/2020</a:t>
+              <a:t>5/29/2020</a:t>
             </a:fld>
             <a:endParaRPr lang="en-US" dirty="0"/>
           </a:p>
@@ -10277,7 +10278,7 @@
           <a:p>
             <a:fld id="{7E8D12A6-918A-48BD-8CB9-CA713993B0EA}" type="datetime1">
               <a:rPr lang="en-US" smtClean="0"/>
-              <a:t>5/25/2020</a:t>
+              <a:t>5/29/2020</a:t>
             </a:fld>
             <a:endParaRPr lang="en-US" dirty="0"/>
           </a:p>
@@ -10539,7 +10540,7 @@
             <a:fld id="{E778CE86-875F-4587-BCF6-FA054AFC0D53}" type="datetime1">
               <a:rPr lang="en-US" smtClean="0"/>
               <a:pPr/>
-              <a:t>5/25/2020</a:t>
+              <a:t>5/29/2020</a:t>
             </a:fld>
             <a:endParaRPr lang="en-US" dirty="0"/>
           </a:p>
@@ -11055,7 +11056,7 @@
           <a:p>
             <a:fld id="{F6FA2B21-3FCD-4721-B95C-427943F61125}" type="datetime1">
               <a:rPr lang="en-US" smtClean="0"/>
-              <a:t>5/25/2020</a:t>
+              <a:t>5/29/2020</a:t>
             </a:fld>
             <a:endParaRPr lang="en-US" dirty="0"/>
           </a:p>
@@ -11785,6 +11786,164 @@
           <p:cNvPr id="2" name="Título 1">
             <a:extLst>
               <a:ext uri="{FF2B5EF4-FFF2-40B4-BE49-F238E27FC236}">
+                <a16:creationId xmlns:a16="http://schemas.microsoft.com/office/drawing/2014/main" id="{406F42C5-0AF5-4801-B0F4-2C3B8E5DE393}"/>
+              </a:ext>
+            </a:extLst>
+          </p:cNvPr>
+          <p:cNvSpPr>
+            <a:spLocks noGrp="1"/>
+          </p:cNvSpPr>
+          <p:nvPr>
+            <p:ph type="title"/>
+          </p:nvPr>
+        </p:nvSpPr>
+        <p:spPr/>
+        <p:txBody>
+          <a:bodyPr/>
+          <a:lstStyle/>
+          <a:p>
+            <a:r>
+              <a:rPr lang="es-ES" dirty="0"/>
+              <a:t>STANCE DETECTION</a:t>
+            </a:r>
+            <a:endParaRPr lang="es-MX" dirty="0"/>
+          </a:p>
+        </p:txBody>
+      </p:sp>
+      <p:sp>
+        <p:nvSpPr>
+          <p:cNvPr id="3" name="Marcador de contenido 2">
+            <a:extLst>
+              <a:ext uri="{FF2B5EF4-FFF2-40B4-BE49-F238E27FC236}">
+                <a16:creationId xmlns:a16="http://schemas.microsoft.com/office/drawing/2014/main" id="{4871F40D-37DA-46BB-B05F-04959D73F860}"/>
+              </a:ext>
+            </a:extLst>
+          </p:cNvPr>
+          <p:cNvSpPr>
+            <a:spLocks noGrp="1"/>
+          </p:cNvSpPr>
+          <p:nvPr>
+            <p:ph idx="1"/>
+          </p:nvPr>
+        </p:nvSpPr>
+        <p:spPr/>
+        <p:txBody>
+          <a:bodyPr/>
+          <a:lstStyle/>
+          <a:p>
+            <a:r>
+              <a:rPr lang="en-US" sz="2000" b="1" dirty="0"/>
+              <a:t>Input : </a:t>
+            </a:r>
+          </a:p>
+          <a:p>
+            <a:pPr lvl="1"/>
+            <a:r>
+              <a:rPr lang="en-US" sz="1800" dirty="0"/>
+              <a:t>A headline and a body text - either from the same news article or from two different articles.</a:t>
+            </a:r>
+          </a:p>
+          <a:p>
+            <a:r>
+              <a:rPr lang="en-US" sz="2000" b="1" dirty="0"/>
+              <a:t>Output</a:t>
+            </a:r>
+            <a:endParaRPr lang="en-US" sz="2000" dirty="0"/>
+          </a:p>
+          <a:p>
+            <a:pPr lvl="1"/>
+            <a:r>
+              <a:rPr lang="en-US" sz="1800" dirty="0"/>
+              <a:t>Classify the stance of the body text relative to the claim made in the headline into one of four categories:</a:t>
+            </a:r>
+          </a:p>
+          <a:p>
+            <a:pPr lvl="2"/>
+            <a:r>
+              <a:rPr lang="en-US" sz="1800" b="1" dirty="0"/>
+              <a:t>Agrees</a:t>
+            </a:r>
+            <a:r>
+              <a:rPr lang="en-US" sz="1800" dirty="0"/>
+              <a:t>: The body text agrees with the headline.</a:t>
+            </a:r>
+          </a:p>
+          <a:p>
+            <a:pPr lvl="2"/>
+            <a:r>
+              <a:rPr lang="en-US" sz="1800" b="1" dirty="0"/>
+              <a:t>Disagrees</a:t>
+            </a:r>
+            <a:r>
+              <a:rPr lang="en-US" sz="1800" dirty="0"/>
+              <a:t>: The body text disagrees with the headline.</a:t>
+            </a:r>
+          </a:p>
+          <a:p>
+            <a:pPr lvl="2"/>
+            <a:r>
+              <a:rPr lang="en-US" sz="1800" b="1" dirty="0"/>
+              <a:t>Discusses</a:t>
+            </a:r>
+            <a:r>
+              <a:rPr lang="en-US" sz="1800" dirty="0"/>
+              <a:t>: The body text discuss the same topic as the headline, but does not take a position</a:t>
+            </a:r>
+          </a:p>
+          <a:p>
+            <a:pPr lvl="2"/>
+            <a:r>
+              <a:rPr lang="en-US" sz="1800" b="1" dirty="0"/>
+              <a:t>Unrelated</a:t>
+            </a:r>
+            <a:r>
+              <a:rPr lang="en-US" sz="1800" dirty="0"/>
+              <a:t>: The body text discusses a different topic than the headline</a:t>
+            </a:r>
+          </a:p>
+          <a:p>
+            <a:pPr marL="0" indent="0">
+              <a:buNone/>
+            </a:pPr>
+            <a:endParaRPr lang="es-MX" dirty="0"/>
+          </a:p>
+        </p:txBody>
+      </p:sp>
+    </p:spTree>
+    <p:extLst>
+      <p:ext uri="{BB962C8B-B14F-4D97-AF65-F5344CB8AC3E}">
+        <p14:creationId xmlns:p14="http://schemas.microsoft.com/office/powerpoint/2010/main" val="2940897657"/>
+      </p:ext>
+    </p:extLst>
+  </p:cSld>
+  <p:clrMapOvr>
+    <a:masterClrMapping/>
+  </p:clrMapOvr>
+</p:sld>
+</file>
+
+<file path=ppt/slides/slide11.xml><?xml version="1.0" encoding="utf-8"?>
+<p:sld xmlns:a="http://schemas.openxmlformats.org/drawingml/2006/main" xmlns:r="http://schemas.openxmlformats.org/officeDocument/2006/relationships" xmlns:p="http://schemas.openxmlformats.org/presentationml/2006/main">
+  <p:cSld>
+    <p:spTree>
+      <p:nvGrpSpPr>
+        <p:cNvPr id="1" name=""/>
+        <p:cNvGrpSpPr/>
+        <p:nvPr/>
+      </p:nvGrpSpPr>
+      <p:grpSpPr>
+        <a:xfrm>
+          <a:off x="0" y="0"/>
+          <a:ext cx="0" cy="0"/>
+          <a:chOff x="0" y="0"/>
+          <a:chExt cx="0" cy="0"/>
+        </a:xfrm>
+      </p:grpSpPr>
+      <p:sp>
+        <p:nvSpPr>
+          <p:cNvPr id="2" name="Título 1">
+            <a:extLst>
+              <a:ext uri="{FF2B5EF4-FFF2-40B4-BE49-F238E27FC236}">
                 <a16:creationId xmlns:a16="http://schemas.microsoft.com/office/drawing/2014/main" id="{CF17CA2C-0F7E-490E-ADB8-C045DD4C54D0}"/>
               </a:ext>
             </a:extLst>
@@ -12976,7 +13135,7 @@
 </p:sld>
 </file>
 
-<file path=ppt/slides/slide11.xml><?xml version="1.0" encoding="utf-8"?>
+<file path=ppt/slides/slide12.xml><?xml version="1.0" encoding="utf-8"?>
 <p:sld xmlns:a="http://schemas.openxmlformats.org/drawingml/2006/main" xmlns:r="http://schemas.openxmlformats.org/officeDocument/2006/relationships" xmlns:p="http://schemas.openxmlformats.org/presentationml/2006/main">
   <p:cSld>
     <p:spTree>
@@ -13349,7 +13508,7 @@
 </p:sld>
 </file>
 
-<file path=ppt/slides/slide12.xml><?xml version="1.0" encoding="utf-8"?>
+<file path=ppt/slides/slide13.xml><?xml version="1.0" encoding="utf-8"?>
 <p:sld xmlns:a="http://schemas.openxmlformats.org/drawingml/2006/main" xmlns:r="http://schemas.openxmlformats.org/officeDocument/2006/relationships" xmlns:p="http://schemas.openxmlformats.org/presentationml/2006/main">
   <p:cSld>
     <p:spTree>
@@ -13469,7 +13628,7 @@
 </p:sld>
 </file>
 
-<file path=ppt/slides/slide13.xml><?xml version="1.0" encoding="utf-8"?>
+<file path=ppt/slides/slide14.xml><?xml version="1.0" encoding="utf-8"?>
 <p:sld xmlns:a="http://schemas.openxmlformats.org/drawingml/2006/main" xmlns:r="http://schemas.openxmlformats.org/officeDocument/2006/relationships" xmlns:p="http://schemas.openxmlformats.org/presentationml/2006/main">
   <p:cSld>
     <p:spTree>
@@ -15354,7 +15513,7 @@
             <p:ph idx="1"/>
             <p:extLst>
               <p:ext uri="{D42A27DB-BD31-4B8C-83A1-F6EECF244321}">
-                <p14:modId xmlns:p14="http://schemas.microsoft.com/office/powerpoint/2010/main" val="168465848"/>
+                <p14:modId xmlns:p14="http://schemas.microsoft.com/office/powerpoint/2010/main" val="2040127394"/>
               </p:ext>
             </p:extLst>
           </p:nvPr>
@@ -15598,7 +15757,7 @@
             </a:r>
             <a:r>
               <a:rPr lang="en-US" i="1" dirty="0"/>
-              <a:t>Ridge Logistic Regression classifier will perform relative as well as CNN model</a:t>
+              <a:t>Ridge Logistic Regression classifier will perform relative as well as ANN model</a:t>
             </a:r>
           </a:p>
         </p:txBody>
@@ -15712,7 +15871,7 @@
             <a:pPr lvl="1"/>
             <a:r>
               <a:rPr lang="en-US" dirty="0"/>
-              <a:t>1D Convolutional neural network</a:t>
+              <a:t>Multilayer perceptron (MLP) on hidden layer</a:t>
             </a:r>
           </a:p>
         </p:txBody>
@@ -15731,6 +15890,100 @@
 </file>
 
 <file path=ppt/slides/slide7.xml><?xml version="1.0" encoding="utf-8"?>
+<p:sld xmlns:a="http://schemas.openxmlformats.org/drawingml/2006/main" xmlns:r="http://schemas.openxmlformats.org/officeDocument/2006/relationships" xmlns:p="http://schemas.openxmlformats.org/presentationml/2006/main">
+  <p:cSld>
+    <p:spTree>
+      <p:nvGrpSpPr>
+        <p:cNvPr id="1" name=""/>
+        <p:cNvGrpSpPr/>
+        <p:nvPr/>
+      </p:nvGrpSpPr>
+      <p:grpSpPr>
+        <a:xfrm>
+          <a:off x="0" y="0"/>
+          <a:ext cx="0" cy="0"/>
+          <a:chOff x="0" y="0"/>
+          <a:chExt cx="0" cy="0"/>
+        </a:xfrm>
+      </p:grpSpPr>
+      <p:sp>
+        <p:nvSpPr>
+          <p:cNvPr id="12" name="Title 1">
+            <a:extLst>
+              <a:ext uri="{FF2B5EF4-FFF2-40B4-BE49-F238E27FC236}">
+                <a16:creationId xmlns:a16="http://schemas.microsoft.com/office/drawing/2014/main" id="{939E683B-5089-4DA0-91F3-C19CF7DF8DCB}"/>
+              </a:ext>
+            </a:extLst>
+          </p:cNvPr>
+          <p:cNvSpPr>
+            <a:spLocks noGrp="1"/>
+          </p:cNvSpPr>
+          <p:nvPr>
+            <p:ph type="title"/>
+          </p:nvPr>
+        </p:nvSpPr>
+        <p:spPr>
+          <a:xfrm>
+            <a:off x="1066800" y="642594"/>
+            <a:ext cx="10058400" cy="1371600"/>
+          </a:xfrm>
+        </p:spPr>
+        <p:txBody>
+          <a:bodyPr/>
+          <a:lstStyle/>
+          <a:p>
+            <a:r>
+              <a:rPr lang="en-US" dirty="0"/>
+              <a:t>Data Example</a:t>
+            </a:r>
+          </a:p>
+        </p:txBody>
+      </p:sp>
+      <p:pic>
+        <p:nvPicPr>
+          <p:cNvPr id="7" name="Imagen 6">
+            <a:extLst>
+              <a:ext uri="{FF2B5EF4-FFF2-40B4-BE49-F238E27FC236}">
+                <a16:creationId xmlns:a16="http://schemas.microsoft.com/office/drawing/2014/main" id="{B1D29AEF-B551-4BB7-8E60-914C9D6F706F}"/>
+              </a:ext>
+            </a:extLst>
+          </p:cNvPr>
+          <p:cNvPicPr>
+            <a:picLocks noChangeAspect="1"/>
+          </p:cNvPicPr>
+          <p:nvPr/>
+        </p:nvPicPr>
+        <p:blipFill>
+          <a:blip r:embed="rId2"/>
+          <a:stretch>
+            <a:fillRect/>
+          </a:stretch>
+        </p:blipFill>
+        <p:spPr>
+          <a:xfrm>
+            <a:off x="1066800" y="2129410"/>
+            <a:ext cx="10058400" cy="3797044"/>
+          </a:xfrm>
+          <a:prstGeom prst="rect">
+            <a:avLst/>
+          </a:prstGeom>
+          <a:noFill/>
+        </p:spPr>
+      </p:pic>
+    </p:spTree>
+    <p:extLst>
+      <p:ext uri="{BB962C8B-B14F-4D97-AF65-F5344CB8AC3E}">
+        <p14:creationId xmlns:p14="http://schemas.microsoft.com/office/powerpoint/2010/main" val="21827221"/>
+      </p:ext>
+    </p:extLst>
+  </p:cSld>
+  <p:clrMapOvr>
+    <a:masterClrMapping/>
+  </p:clrMapOvr>
+</p:sld>
+</file>
+
+<file path=ppt/slides/slide8.xml><?xml version="1.0" encoding="utf-8"?>
 <p:sld xmlns:a="http://schemas.openxmlformats.org/drawingml/2006/main" xmlns:r="http://schemas.openxmlformats.org/officeDocument/2006/relationships" xmlns:p="http://schemas.openxmlformats.org/presentationml/2006/main">
   <p:cSld>
     <p:spTree>
@@ -16775,7 +17028,7 @@
 </p:sld>
 </file>
 
-<file path=ppt/slides/slide8.xml><?xml version="1.0" encoding="utf-8"?>
+<file path=ppt/slides/slide9.xml><?xml version="1.0" encoding="utf-8"?>
 <p:sld xmlns:a="http://schemas.openxmlformats.org/drawingml/2006/main" xmlns:r="http://schemas.openxmlformats.org/officeDocument/2006/relationships" xmlns:p="http://schemas.openxmlformats.org/presentationml/2006/main">
   <p:cSld>
     <p:spTree>
@@ -18461,164 +18714,6 @@
     <p:extLst>
       <p:ext uri="{BB962C8B-B14F-4D97-AF65-F5344CB8AC3E}">
         <p14:creationId xmlns:p14="http://schemas.microsoft.com/office/powerpoint/2010/main" val="1776347659"/>
-      </p:ext>
-    </p:extLst>
-  </p:cSld>
-  <p:clrMapOvr>
-    <a:masterClrMapping/>
-  </p:clrMapOvr>
-</p:sld>
-</file>
-
-<file path=ppt/slides/slide9.xml><?xml version="1.0" encoding="utf-8"?>
-<p:sld xmlns:a="http://schemas.openxmlformats.org/drawingml/2006/main" xmlns:r="http://schemas.openxmlformats.org/officeDocument/2006/relationships" xmlns:p="http://schemas.openxmlformats.org/presentationml/2006/main">
-  <p:cSld>
-    <p:spTree>
-      <p:nvGrpSpPr>
-        <p:cNvPr id="1" name=""/>
-        <p:cNvGrpSpPr/>
-        <p:nvPr/>
-      </p:nvGrpSpPr>
-      <p:grpSpPr>
-        <a:xfrm>
-          <a:off x="0" y="0"/>
-          <a:ext cx="0" cy="0"/>
-          <a:chOff x="0" y="0"/>
-          <a:chExt cx="0" cy="0"/>
-        </a:xfrm>
-      </p:grpSpPr>
-      <p:sp>
-        <p:nvSpPr>
-          <p:cNvPr id="2" name="Título 1">
-            <a:extLst>
-              <a:ext uri="{FF2B5EF4-FFF2-40B4-BE49-F238E27FC236}">
-                <a16:creationId xmlns:a16="http://schemas.microsoft.com/office/drawing/2014/main" id="{406F42C5-0AF5-4801-B0F4-2C3B8E5DE393}"/>
-              </a:ext>
-            </a:extLst>
-          </p:cNvPr>
-          <p:cNvSpPr>
-            <a:spLocks noGrp="1"/>
-          </p:cNvSpPr>
-          <p:nvPr>
-            <p:ph type="title"/>
-          </p:nvPr>
-        </p:nvSpPr>
-        <p:spPr/>
-        <p:txBody>
-          <a:bodyPr/>
-          <a:lstStyle/>
-          <a:p>
-            <a:r>
-              <a:rPr lang="es-ES" dirty="0"/>
-              <a:t>STANCE DETECTION</a:t>
-            </a:r>
-            <a:endParaRPr lang="es-MX" dirty="0"/>
-          </a:p>
-        </p:txBody>
-      </p:sp>
-      <p:sp>
-        <p:nvSpPr>
-          <p:cNvPr id="3" name="Marcador de contenido 2">
-            <a:extLst>
-              <a:ext uri="{FF2B5EF4-FFF2-40B4-BE49-F238E27FC236}">
-                <a16:creationId xmlns:a16="http://schemas.microsoft.com/office/drawing/2014/main" id="{4871F40D-37DA-46BB-B05F-04959D73F860}"/>
-              </a:ext>
-            </a:extLst>
-          </p:cNvPr>
-          <p:cNvSpPr>
-            <a:spLocks noGrp="1"/>
-          </p:cNvSpPr>
-          <p:nvPr>
-            <p:ph idx="1"/>
-          </p:nvPr>
-        </p:nvSpPr>
-        <p:spPr/>
-        <p:txBody>
-          <a:bodyPr/>
-          <a:lstStyle/>
-          <a:p>
-            <a:r>
-              <a:rPr lang="en-US" sz="2000" b="1" dirty="0"/>
-              <a:t>Input : </a:t>
-            </a:r>
-          </a:p>
-          <a:p>
-            <a:pPr lvl="1"/>
-            <a:r>
-              <a:rPr lang="en-US" sz="1800" dirty="0"/>
-              <a:t>A headline and a body text - either from the same news article or from two different articles.</a:t>
-            </a:r>
-          </a:p>
-          <a:p>
-            <a:r>
-              <a:rPr lang="en-US" sz="2000" b="1" dirty="0"/>
-              <a:t>Output</a:t>
-            </a:r>
-            <a:endParaRPr lang="en-US" sz="2000" dirty="0"/>
-          </a:p>
-          <a:p>
-            <a:pPr lvl="1"/>
-            <a:r>
-              <a:rPr lang="en-US" sz="1800" dirty="0"/>
-              <a:t>Classify the stance of the body text relative to the claim made in the headline into one of four categories:</a:t>
-            </a:r>
-          </a:p>
-          <a:p>
-            <a:pPr lvl="2"/>
-            <a:r>
-              <a:rPr lang="en-US" sz="1800" b="1" dirty="0"/>
-              <a:t>Agrees</a:t>
-            </a:r>
-            <a:r>
-              <a:rPr lang="en-US" sz="1800" dirty="0"/>
-              <a:t>: The body text agrees with the headline.</a:t>
-            </a:r>
-          </a:p>
-          <a:p>
-            <a:pPr lvl="2"/>
-            <a:r>
-              <a:rPr lang="en-US" sz="1800" b="1" dirty="0"/>
-              <a:t>Disagrees</a:t>
-            </a:r>
-            <a:r>
-              <a:rPr lang="en-US" sz="1800" dirty="0"/>
-              <a:t>: The body text disagrees with the headline.</a:t>
-            </a:r>
-          </a:p>
-          <a:p>
-            <a:pPr lvl="2"/>
-            <a:r>
-              <a:rPr lang="en-US" sz="1800" b="1" dirty="0"/>
-              <a:t>Discusses</a:t>
-            </a:r>
-            <a:r>
-              <a:rPr lang="en-US" sz="1800" dirty="0"/>
-              <a:t>: The body text discuss the same topic as the headline, but does not take a position</a:t>
-            </a:r>
-          </a:p>
-          <a:p>
-            <a:pPr lvl="2"/>
-            <a:r>
-              <a:rPr lang="en-US" sz="1800" b="1" dirty="0"/>
-              <a:t>Unrelated</a:t>
-            </a:r>
-            <a:r>
-              <a:rPr lang="en-US" sz="1800" dirty="0"/>
-              <a:t>: The body text discusses a different topic than the headline</a:t>
-            </a:r>
-          </a:p>
-          <a:p>
-            <a:pPr marL="0" indent="0">
-              <a:buNone/>
-            </a:pPr>
-            <a:endParaRPr lang="es-MX" dirty="0"/>
-          </a:p>
-        </p:txBody>
-      </p:sp>
-    </p:spTree>
-    <p:extLst>
-      <p:ext uri="{BB962C8B-B14F-4D97-AF65-F5344CB8AC3E}">
-        <p14:creationId xmlns:p14="http://schemas.microsoft.com/office/powerpoint/2010/main" val="2940897657"/>
       </p:ext>
     </p:extLst>
   </p:cSld>
@@ -18914,6 +19009,15 @@
 </file>
 
 <file path=customXml/item2.xml><?xml version="1.0" encoding="utf-8"?>
+<p:properties xmlns:p="http://schemas.microsoft.com/office/2006/metadata/properties" xmlns:xsi="http://www.w3.org/2001/XMLSchema-instance" xmlns:pc="http://schemas.microsoft.com/office/infopath/2007/PartnerControls">
+  <documentManagement>
+    <Status xmlns="71af3243-3dd4-4a8d-8c0d-dd76da1f02a5">Not started</Status>
+    <MediaServiceKeyPoints xmlns="71af3243-3dd4-4a8d-8c0d-dd76da1f02a5" xsi:nil="true"/>
+  </documentManagement>
+</p:properties>
+</file>
+
+<file path=customXml/item3.xml><?xml version="1.0" encoding="utf-8"?>
 <ct:contentTypeSchema xmlns:ct="http://schemas.microsoft.com/office/2006/metadata/contentType" xmlns:ma="http://schemas.microsoft.com/office/2006/metadata/properties/metaAttributes" ct:_="" ma:_="" ma:contentTypeName="Document" ma:contentTypeID="0x01010079F111ED35F8CC479449609E8A0923A6" ma:contentTypeVersion="12" ma:contentTypeDescription="Create a new document." ma:contentTypeScope="" ma:versionID="a410dd7f93c95333ffa1b60ed6adedd1">
   <xsd:schema xmlns:xsd="http://www.w3.org/2001/XMLSchema" xmlns:xs="http://www.w3.org/2001/XMLSchema" xmlns:p="http://schemas.microsoft.com/office/2006/metadata/properties" xmlns:ns2="71af3243-3dd4-4a8d-8c0d-dd76da1f02a5" xmlns:ns3="16c05727-aa75-4e4a-9b5f-8a80a1165891" targetNamespace="http://schemas.microsoft.com/office/2006/metadata/properties" ma:root="true" ma:fieldsID="a936d9baba76aa3866493feff160faab" ns2:_="" ns3:_="">
     <xsd:import namespace="71af3243-3dd4-4a8d-8c0d-dd76da1f02a5"/>
@@ -19134,15 +19238,6 @@
 </ct:contentTypeSchema>
 </file>
 
-<file path=customXml/item3.xml><?xml version="1.0" encoding="utf-8"?>
-<p:properties xmlns:p="http://schemas.microsoft.com/office/2006/metadata/properties" xmlns:xsi="http://www.w3.org/2001/XMLSchema-instance" xmlns:pc="http://schemas.microsoft.com/office/infopath/2007/PartnerControls">
-  <documentManagement>
-    <Status xmlns="71af3243-3dd4-4a8d-8c0d-dd76da1f02a5">Not started</Status>
-    <MediaServiceKeyPoints xmlns="71af3243-3dd4-4a8d-8c0d-dd76da1f02a5" xsi:nil="true"/>
-  </documentManagement>
-</p:properties>
-</file>
-
 <file path=customXml/itemProps1.xml><?xml version="1.0" encoding="utf-8"?>
 <ds:datastoreItem xmlns:ds="http://schemas.openxmlformats.org/officeDocument/2006/customXml" ds:itemID="{CDB58277-F8DF-46FF-84EC-EF41B835E69F}">
   <ds:schemaRefs>
@@ -19152,6 +19247,16 @@
 </file>
 
 <file path=customXml/itemProps2.xml><?xml version="1.0" encoding="utf-8"?>
+<ds:datastoreItem xmlns:ds="http://schemas.openxmlformats.org/officeDocument/2006/customXml" ds:itemID="{137651BA-F45C-4845-9AB3-E0A65B39F5E1}">
+  <ds:schemaRefs>
+    <ds:schemaRef ds:uri="http://schemas.microsoft.com/office/2006/metadata/properties"/>
+    <ds:schemaRef ds:uri="http://schemas.microsoft.com/office/infopath/2007/PartnerControls"/>
+    <ds:schemaRef ds:uri="71af3243-3dd4-4a8d-8c0d-dd76da1f02a5"/>
+  </ds:schemaRefs>
+</ds:datastoreItem>
+</file>
+
+<file path=customXml/itemProps3.xml><?xml version="1.0" encoding="utf-8"?>
 <ds:datastoreItem xmlns:ds="http://schemas.openxmlformats.org/officeDocument/2006/customXml" ds:itemID="{2D276E62-80A3-44DD-9BCC-97ED2B99B57F}">
   <ds:schemaRefs>
     <ds:schemaRef ds:uri="http://schemas.microsoft.com/office/2006/metadata/contentType"/>
@@ -19168,14 +19273,4 @@
     <ds:schemaRef ds:uri="http://schemas.microsoft.com/internal/obd"/>
   </ds:schemaRefs>
 </ds:datastoreItem>
-</file>
-
-<file path=customXml/itemProps3.xml><?xml version="1.0" encoding="utf-8"?>
-<ds:datastoreItem xmlns:ds="http://schemas.openxmlformats.org/officeDocument/2006/customXml" ds:itemID="{137651BA-F45C-4845-9AB3-E0A65B39F5E1}">
-  <ds:schemaRefs>
-    <ds:schemaRef ds:uri="http://schemas.microsoft.com/office/2006/metadata/properties"/>
-    <ds:schemaRef ds:uri="http://schemas.microsoft.com/office/infopath/2007/PartnerControls"/>
-    <ds:schemaRef ds:uri="71af3243-3dd4-4a8d-8c0d-dd76da1f02a5"/>
-  </ds:schemaRefs>
-</ds:datastoreItem>
 </file>